--- a/.github/niceproject/source/learning/robotics/prelude.pptx
+++ b/.github/niceproject/source/learning/robotics/prelude.pptx
@@ -211,7 +211,7 @@
           <a:p>
             <a:fld id="{0E43F09C-6EB0-49C9-988E-C9543D80D126}" type="datetimeFigureOut">
               <a:rPr lang="zh-CN" altLang="en-US" smtClean="0"/>
-              <a:t>2023/5/16</a:t>
+              <a:t>2023/5/17</a:t>
             </a:fld>
             <a:endParaRPr lang="zh-CN" altLang="en-US"/>
           </a:p>
@@ -707,7 +707,7 @@
                   </a:prstClr>
                 </a:solidFill>
               </a:rPr>
-              <a:t>2023/5/16</a:t>
+              <a:t>2023/5/17</a:t>
             </a:fld>
             <a:endParaRPr lang="zh-CN" altLang="en-US">
               <a:solidFill>
@@ -916,7 +916,7 @@
                   </a:prstClr>
                 </a:solidFill>
               </a:rPr>
-              <a:t>2023/5/16</a:t>
+              <a:t>2023/5/17</a:t>
             </a:fld>
             <a:endParaRPr lang="zh-CN" altLang="en-US">
               <a:solidFill>
@@ -1149,7 +1149,7 @@
           <a:p>
             <a:fld id="{A70106A1-9236-4947-AAA3-2A6F60E21C6B}" type="datetimeFigureOut">
               <a:rPr kumimoji="1" lang="zh-CN" altLang="en-US" smtClean="0"/>
-              <a:t>2023/5/16</a:t>
+              <a:t>2023/5/17</a:t>
             </a:fld>
             <a:endParaRPr kumimoji="1" lang="zh-CN" altLang="en-US"/>
           </a:p>
@@ -1335,7 +1335,7 @@
                   </a:prstClr>
                 </a:solidFill>
               </a:rPr>
-              <a:t>2023/5/16</a:t>
+              <a:t>2023/5/17</a:t>
             </a:fld>
             <a:endParaRPr lang="zh-CN" altLang="en-US">
               <a:solidFill>
@@ -1611,7 +1611,7 @@
                   </a:prstClr>
                 </a:solidFill>
               </a:rPr>
-              <a:t>2023/5/16</a:t>
+              <a:t>2023/5/17</a:t>
             </a:fld>
             <a:endParaRPr lang="zh-CN" altLang="en-US">
               <a:solidFill>
@@ -1927,7 +1927,7 @@
                   </a:prstClr>
                 </a:solidFill>
               </a:rPr>
-              <a:t>2023/5/16</a:t>
+              <a:t>2023/5/17</a:t>
             </a:fld>
             <a:endParaRPr lang="zh-CN" altLang="en-US">
               <a:solidFill>
@@ -2377,7 +2377,7 @@
                   </a:prstClr>
                 </a:solidFill>
               </a:rPr>
-              <a:t>2023/5/16</a:t>
+              <a:t>2023/5/17</a:t>
             </a:fld>
             <a:endParaRPr lang="zh-CN" altLang="en-US">
               <a:solidFill>
@@ -2525,7 +2525,7 @@
                   </a:prstClr>
                 </a:solidFill>
               </a:rPr>
-              <a:t>2023/5/16</a:t>
+              <a:t>2023/5/17</a:t>
             </a:fld>
             <a:endParaRPr lang="zh-CN" altLang="en-US">
               <a:solidFill>
@@ -2651,7 +2651,7 @@
                   </a:prstClr>
                 </a:solidFill>
               </a:rPr>
-              <a:t>2023/5/16</a:t>
+              <a:t>2023/5/17</a:t>
             </a:fld>
             <a:endParaRPr lang="zh-CN" altLang="en-US">
               <a:solidFill>
@@ -2957,7 +2957,7 @@
                   </a:prstClr>
                 </a:solidFill>
               </a:rPr>
-              <a:t>2023/5/16</a:t>
+              <a:t>2023/5/17</a:t>
             </a:fld>
             <a:endParaRPr lang="zh-CN" altLang="en-US">
               <a:solidFill>
@@ -3240,7 +3240,7 @@
                   </a:prstClr>
                 </a:solidFill>
               </a:rPr>
-              <a:t>2023/5/16</a:t>
+              <a:t>2023/5/17</a:t>
             </a:fld>
             <a:endParaRPr lang="zh-CN" altLang="en-US">
               <a:solidFill>
@@ -3482,7 +3482,7 @@
                   </a:prstClr>
                 </a:solidFill>
               </a:rPr>
-              <a:t>2023/5/16</a:t>
+              <a:t>2023/5/17</a:t>
             </a:fld>
             <a:endParaRPr lang="zh-CN" altLang="en-US">
               <a:solidFill>
@@ -4146,7 +4146,6 @@
           </a:bodyPr>
           <a:lstStyle/>
           <a:p>
-            <a:pPr/>
             <a:r>
               <a:rPr kumimoji="1" lang="en-US" altLang="zh-CN" b="1" dirty="0">
                 <a:latin typeface="Times New Roman" panose="02020603050405020304" pitchFamily="18" charset="0"/>
@@ -4196,7 +4195,6 @@
               </a:bodyPr>
               <a:lstStyle/>
               <a:p>
-                <a:pPr/>
                 <a:r>
                   <a:rPr kumimoji="1" lang="en-US" altLang="zh-CN" b="1" dirty="0">
                     <a:latin typeface="Times New Roman" panose="02020603050405020304" pitchFamily="18" charset="0"/>
@@ -4770,7 +4768,7 @@
                     <a:ea typeface="Cambria Math" panose="02040503050406030204" pitchFamily="18" charset="0"/>
                     <a:cs typeface="Times New Roman" panose="02020603050405020304" pitchFamily="18" charset="0"/>
                   </a:rPr>
-                  <a:t> learning framework: </a:t>
+                  <a:t> policy learning framework: </a:t>
                 </a:r>
                 <a14:m>
                   <m:oMath xmlns:m="http://schemas.openxmlformats.org/officeDocument/2006/math">
@@ -5594,8 +5592,8 @@
                 <a:chExt cx="2635549" cy="3449483"/>
               </a:xfrm>
             </p:grpSpPr>
-            <mc:AlternateContent xmlns:mc="http://schemas.openxmlformats.org/markup-compatibility/2006">
-              <mc:Choice xmlns:a14="http://schemas.microsoft.com/office/drawing/2010/main" Requires="a14">
+            <mc:AlternateContent xmlns:mc="http://schemas.openxmlformats.org/markup-compatibility/2006" xmlns:a14="http://schemas.microsoft.com/office/drawing/2010/main">
+              <mc:Choice Requires="a14">
                 <p:sp>
                   <p:nvSpPr>
                     <p:cNvPr id="14" name="文本框 13">
@@ -5664,7 +5662,7 @@
                   </p:txBody>
                 </p:sp>
               </mc:Choice>
-              <mc:Fallback>
+              <mc:Fallback xmlns="">
                 <p:sp>
                   <p:nvSpPr>
                     <p:cNvPr id="14" name="文本框 13">
@@ -5709,8 +5707,8 @@
                 </p:sp>
               </mc:Fallback>
             </mc:AlternateContent>
-            <mc:AlternateContent xmlns:mc="http://schemas.openxmlformats.org/markup-compatibility/2006">
-              <mc:Choice xmlns:a14="http://schemas.microsoft.com/office/drawing/2010/main" Requires="a14">
+            <mc:AlternateContent xmlns:mc="http://schemas.openxmlformats.org/markup-compatibility/2006" xmlns:a14="http://schemas.microsoft.com/office/drawing/2010/main">
+              <mc:Choice Requires="a14">
                 <p:sp>
                   <p:nvSpPr>
                     <p:cNvPr id="15" name="文本框 14">
@@ -5779,7 +5777,7 @@
                   </p:txBody>
                 </p:sp>
               </mc:Choice>
-              <mc:Fallback>
+              <mc:Fallback xmlns="">
                 <p:sp>
                   <p:nvSpPr>
                     <p:cNvPr id="15" name="文本框 14">
@@ -5824,8 +5822,8 @@
                 </p:sp>
               </mc:Fallback>
             </mc:AlternateContent>
-            <mc:AlternateContent xmlns:mc="http://schemas.openxmlformats.org/markup-compatibility/2006">
-              <mc:Choice xmlns:a14="http://schemas.microsoft.com/office/drawing/2010/main" Requires="a14">
+            <mc:AlternateContent xmlns:mc="http://schemas.openxmlformats.org/markup-compatibility/2006" xmlns:a14="http://schemas.microsoft.com/office/drawing/2010/main">
+              <mc:Choice Requires="a14">
                 <p:sp>
                   <p:nvSpPr>
                     <p:cNvPr id="16" name="文本框 15">
@@ -5894,7 +5892,7 @@
                   </p:txBody>
                 </p:sp>
               </mc:Choice>
-              <mc:Fallback>
+              <mc:Fallback xmlns="">
                 <p:sp>
                   <p:nvSpPr>
                     <p:cNvPr id="16" name="文本框 15">
@@ -7344,8 +7342,8 @@
               </p:style>
             </p:cxnSp>
           </p:grpSp>
-          <mc:AlternateContent xmlns:mc="http://schemas.openxmlformats.org/markup-compatibility/2006">
-            <mc:Choice xmlns:a14="http://schemas.microsoft.com/office/drawing/2010/main" Requires="a14">
+          <mc:AlternateContent xmlns:mc="http://schemas.openxmlformats.org/markup-compatibility/2006" xmlns:a14="http://schemas.microsoft.com/office/drawing/2010/main">
+            <mc:Choice Requires="a14">
               <p:sp>
                 <p:nvSpPr>
                   <p:cNvPr id="8" name="文本框 7">
@@ -7414,7 +7412,7 @@
                 </p:txBody>
               </p:sp>
             </mc:Choice>
-            <mc:Fallback>
+            <mc:Fallback xmlns="">
               <p:sp>
                 <p:nvSpPr>
                   <p:cNvPr id="8" name="文本框 7">
@@ -7459,8 +7457,8 @@
               </p:sp>
             </mc:Fallback>
           </mc:AlternateContent>
-          <mc:AlternateContent xmlns:mc="http://schemas.openxmlformats.org/markup-compatibility/2006">
-            <mc:Choice xmlns:a14="http://schemas.microsoft.com/office/drawing/2010/main" Requires="a14">
+          <mc:AlternateContent xmlns:mc="http://schemas.openxmlformats.org/markup-compatibility/2006" xmlns:a14="http://schemas.microsoft.com/office/drawing/2010/main">
+            <mc:Choice Requires="a14">
               <p:sp>
                 <p:nvSpPr>
                   <p:cNvPr id="9" name="文本框 8">
@@ -7529,7 +7527,7 @@
                 </p:txBody>
               </p:sp>
             </mc:Choice>
-            <mc:Fallback>
+            <mc:Fallback xmlns="">
               <p:sp>
                 <p:nvSpPr>
                   <p:cNvPr id="9" name="文本框 8">
@@ -7574,8 +7572,8 @@
               </p:sp>
             </mc:Fallback>
           </mc:AlternateContent>
-          <mc:AlternateContent xmlns:mc="http://schemas.openxmlformats.org/markup-compatibility/2006">
-            <mc:Choice xmlns:a14="http://schemas.microsoft.com/office/drawing/2010/main" Requires="a14">
+          <mc:AlternateContent xmlns:mc="http://schemas.openxmlformats.org/markup-compatibility/2006" xmlns:a14="http://schemas.microsoft.com/office/drawing/2010/main">
+            <mc:Choice Requires="a14">
               <p:sp>
                 <p:nvSpPr>
                   <p:cNvPr id="10" name="文本框 9">
@@ -7644,7 +7642,7 @@
                 </p:txBody>
               </p:sp>
             </mc:Choice>
-            <mc:Fallback>
+            <mc:Fallback xmlns="">
               <p:sp>
                 <p:nvSpPr>
                   <p:cNvPr id="10" name="文本框 9">
@@ -7689,8 +7687,8 @@
               </p:sp>
             </mc:Fallback>
           </mc:AlternateContent>
-          <mc:AlternateContent xmlns:mc="http://schemas.openxmlformats.org/markup-compatibility/2006">
-            <mc:Choice xmlns:a14="http://schemas.microsoft.com/office/drawing/2010/main" Requires="a14">
+          <mc:AlternateContent xmlns:mc="http://schemas.openxmlformats.org/markup-compatibility/2006" xmlns:a14="http://schemas.microsoft.com/office/drawing/2010/main">
+            <mc:Choice Requires="a14">
               <p:sp>
                 <p:nvSpPr>
                   <p:cNvPr id="11" name="文本框 10">
@@ -7759,7 +7757,7 @@
                 </p:txBody>
               </p:sp>
             </mc:Choice>
-            <mc:Fallback>
+            <mc:Fallback xmlns="">
               <p:sp>
                 <p:nvSpPr>
                   <p:cNvPr id="11" name="文本框 10">
@@ -7804,8 +7802,8 @@
               </p:sp>
             </mc:Fallback>
           </mc:AlternateContent>
-          <mc:AlternateContent xmlns:mc="http://schemas.openxmlformats.org/markup-compatibility/2006">
-            <mc:Choice xmlns:a14="http://schemas.microsoft.com/office/drawing/2010/main" Requires="a14">
+          <mc:AlternateContent xmlns:mc="http://schemas.openxmlformats.org/markup-compatibility/2006" xmlns:a14="http://schemas.microsoft.com/office/drawing/2010/main">
+            <mc:Choice Requires="a14">
               <p:sp>
                 <p:nvSpPr>
                   <p:cNvPr id="12" name="文本框 11">
@@ -7874,7 +7872,7 @@
                 </p:txBody>
               </p:sp>
             </mc:Choice>
-            <mc:Fallback>
+            <mc:Fallback xmlns="">
               <p:sp>
                 <p:nvSpPr>
                   <p:cNvPr id="12" name="文本框 11">
@@ -7919,8 +7917,8 @@
               </p:sp>
             </mc:Fallback>
           </mc:AlternateContent>
-          <mc:AlternateContent xmlns:mc="http://schemas.openxmlformats.org/markup-compatibility/2006">
-            <mc:Choice xmlns:a14="http://schemas.microsoft.com/office/drawing/2010/main" Requires="a14">
+          <mc:AlternateContent xmlns:mc="http://schemas.openxmlformats.org/markup-compatibility/2006" xmlns:a14="http://schemas.microsoft.com/office/drawing/2010/main">
+            <mc:Choice Requires="a14">
               <p:sp>
                 <p:nvSpPr>
                   <p:cNvPr id="13" name="文本框 12">
@@ -7989,7 +7987,7 @@
                 </p:txBody>
               </p:sp>
             </mc:Choice>
-            <mc:Fallback>
+            <mc:Fallback xmlns="">
               <p:sp>
                 <p:nvSpPr>
                   <p:cNvPr id="13" name="文本框 12">
@@ -8208,7 +8206,6 @@
           </a:bodyPr>
           <a:lstStyle/>
           <a:p>
-            <a:pPr/>
             <a:r>
               <a:rPr kumimoji="1" lang="en-US" altLang="zh-CN" u="sng" dirty="0">
                 <a:solidFill>
@@ -8233,7 +8230,6 @@
             </a:r>
           </a:p>
           <a:p>
-            <a:pPr/>
             <a:r>
               <a:rPr kumimoji="1" lang="en-US" altLang="zh-CN" dirty="0">
                 <a:solidFill>
@@ -8270,8 +8266,8 @@
           </a:p>
         </p:txBody>
       </p:sp>
-      <mc:AlternateContent xmlns:mc="http://schemas.openxmlformats.org/markup-compatibility/2006">
-        <mc:Choice xmlns:a14="http://schemas.microsoft.com/office/drawing/2010/main" Requires="a14">
+      <mc:AlternateContent xmlns:mc="http://schemas.openxmlformats.org/markup-compatibility/2006" xmlns:a14="http://schemas.microsoft.com/office/drawing/2010/main">
+        <mc:Choice Requires="a14">
           <p:sp>
             <p:nvSpPr>
               <p:cNvPr id="56" name="文本框 55">
@@ -8383,7 +8379,7 @@
             </p:txBody>
           </p:sp>
         </mc:Choice>
-        <mc:Fallback>
+        <mc:Fallback xmlns="">
           <p:sp>
             <p:nvSpPr>
               <p:cNvPr id="56" name="文本框 55">
@@ -8428,8 +8424,8 @@
           </p:sp>
         </mc:Fallback>
       </mc:AlternateContent>
-      <mc:AlternateContent xmlns:mc="http://schemas.openxmlformats.org/markup-compatibility/2006">
-        <mc:Choice xmlns:a14="http://schemas.microsoft.com/office/drawing/2010/main" Requires="a14">
+      <mc:AlternateContent xmlns:mc="http://schemas.openxmlformats.org/markup-compatibility/2006" xmlns:a14="http://schemas.microsoft.com/office/drawing/2010/main">
+        <mc:Choice Requires="a14">
           <p:sp>
             <p:nvSpPr>
               <p:cNvPr id="57" name="文本框 56">
@@ -8674,7 +8670,7 @@
             </p:txBody>
           </p:sp>
         </mc:Choice>
-        <mc:Fallback>
+        <mc:Fallback xmlns="">
           <p:sp>
             <p:nvSpPr>
               <p:cNvPr id="57" name="文本框 56">
@@ -9100,7 +9096,6 @@
           </a:bodyPr>
           <a:lstStyle/>
           <a:p>
-            <a:pPr/>
             <a:r>
               <a:rPr kumimoji="1" lang="en-US" altLang="zh-CN" sz="1400" dirty="0">
                 <a:solidFill>
@@ -9191,7 +9186,6 @@
             </a:bodyPr>
             <a:lstStyle/>
             <a:p>
-              <a:pPr/>
               <a:r>
                 <a:rPr kumimoji="1" lang="en-US" altLang="zh-CN" sz="1200" dirty="0">
                   <a:solidFill>
@@ -9515,7 +9509,6 @@
             </a:bodyPr>
             <a:lstStyle/>
             <a:p>
-              <a:pPr/>
               <a:r>
                 <a:rPr kumimoji="1" lang="en-US" altLang="zh-CN" sz="1200" dirty="0">
                   <a:solidFill>
@@ -9531,7 +9524,6 @@
               </a:r>
             </a:p>
             <a:p>
-              <a:pPr/>
               <a:r>
                 <a:rPr kumimoji="1" lang="en-US" altLang="zh-CN" sz="1000" dirty="0">
                   <a:solidFill>
@@ -9547,7 +9539,6 @@
               </a:r>
             </a:p>
             <a:p>
-              <a:pPr/>
               <a:r>
                 <a:rPr kumimoji="1" lang="en-US" altLang="zh-CN" sz="1000" dirty="0">
                   <a:solidFill>
@@ -9563,7 +9554,6 @@
               </a:r>
             </a:p>
             <a:p>
-              <a:pPr/>
               <a:r>
                 <a:rPr kumimoji="1" lang="en-US" altLang="zh-CN" sz="1000" dirty="0">
                   <a:solidFill>
@@ -9609,7 +9599,6 @@
           </a:bodyPr>
           <a:lstStyle/>
           <a:p>
-            <a:pPr/>
             <a:r>
               <a:rPr kumimoji="1" lang="en-US" altLang="zh-CN" sz="1400" dirty="0">
                 <a:solidFill>
@@ -9625,7 +9614,6 @@
             </a:r>
           </a:p>
           <a:p>
-            <a:pPr/>
             <a:r>
               <a:rPr kumimoji="1" lang="en-US" altLang="zh-CN" sz="1400" u="sng" dirty="0">
                 <a:solidFill>
@@ -9698,8 +9686,8 @@
           </a:fontRef>
         </p:style>
       </p:cxnSp>
-      <mc:AlternateContent xmlns:mc="http://schemas.openxmlformats.org/markup-compatibility/2006">
-        <mc:Choice xmlns:a14="http://schemas.microsoft.com/office/drawing/2010/main" Requires="a14">
+      <mc:AlternateContent xmlns:mc="http://schemas.openxmlformats.org/markup-compatibility/2006" xmlns:a14="http://schemas.microsoft.com/office/drawing/2010/main">
+        <mc:Choice Requires="a14">
           <p:sp>
             <p:nvSpPr>
               <p:cNvPr id="96" name="文本框 95">
@@ -9728,7 +9716,6 @@
               </a:bodyPr>
               <a:lstStyle/>
               <a:p>
-                <a:pPr/>
                 <a:r>
                   <a:rPr kumimoji="1" lang="en-US" altLang="zh-CN" b="1" dirty="0">
                     <a:latin typeface="Times New Roman" panose="02020603050405020304" pitchFamily="18" charset="0"/>
@@ -9744,7 +9731,6 @@
                 </a:endParaRPr>
               </a:p>
               <a:p>
-                <a:pPr/>
                 <a:r>
                   <a:rPr kumimoji="1" lang="en-US" altLang="zh-CN" dirty="0">
                     <a:latin typeface="Times New Roman" panose="02020603050405020304" pitchFamily="18" charset="0"/>
@@ -9755,7 +9741,6 @@
                 </a:r>
               </a:p>
               <a:p>
-                <a:pPr/>
                 <a:r>
                   <a:rPr kumimoji="1" lang="en-US" altLang="zh-CN" dirty="0">
                     <a:latin typeface="Times New Roman" panose="02020603050405020304" pitchFamily="18" charset="0"/>
@@ -9918,7 +9903,6 @@
                 </a:endParaRPr>
               </a:p>
               <a:p>
-                <a:pPr/>
                 <a:r>
                   <a:rPr kumimoji="1" lang="en-US" altLang="zh-CN" dirty="0">
                     <a:latin typeface="Times New Roman" panose="02020603050405020304" pitchFamily="18" charset="0"/>
@@ -9931,7 +9915,7 @@
             </p:txBody>
           </p:sp>
         </mc:Choice>
-        <mc:Fallback>
+        <mc:Fallback xmlns="">
           <p:sp>
             <p:nvSpPr>
               <p:cNvPr id="96" name="文本框 95">

--- a/.github/niceproject/source/learning/robotics/prelude.pptx
+++ b/.github/niceproject/source/learning/robotics/prelude.pptx
@@ -211,7 +211,7 @@
           <a:p>
             <a:fld id="{0E43F09C-6EB0-49C9-988E-C9543D80D126}" type="datetimeFigureOut">
               <a:rPr lang="zh-CN" altLang="en-US" smtClean="0"/>
-              <a:t>2023/5/17</a:t>
+              <a:t>2023/5/18</a:t>
             </a:fld>
             <a:endParaRPr lang="zh-CN" altLang="en-US"/>
           </a:p>
@@ -707,7 +707,7 @@
                   </a:prstClr>
                 </a:solidFill>
               </a:rPr>
-              <a:t>2023/5/17</a:t>
+              <a:t>2023/5/18</a:t>
             </a:fld>
             <a:endParaRPr lang="zh-CN" altLang="en-US">
               <a:solidFill>
@@ -916,7 +916,7 @@
                   </a:prstClr>
                 </a:solidFill>
               </a:rPr>
-              <a:t>2023/5/17</a:t>
+              <a:t>2023/5/18</a:t>
             </a:fld>
             <a:endParaRPr lang="zh-CN" altLang="en-US">
               <a:solidFill>
@@ -1149,7 +1149,7 @@
           <a:p>
             <a:fld id="{A70106A1-9236-4947-AAA3-2A6F60E21C6B}" type="datetimeFigureOut">
               <a:rPr kumimoji="1" lang="zh-CN" altLang="en-US" smtClean="0"/>
-              <a:t>2023/5/17</a:t>
+              <a:t>2023/5/18</a:t>
             </a:fld>
             <a:endParaRPr kumimoji="1" lang="zh-CN" altLang="en-US"/>
           </a:p>
@@ -1335,7 +1335,7 @@
                   </a:prstClr>
                 </a:solidFill>
               </a:rPr>
-              <a:t>2023/5/17</a:t>
+              <a:t>2023/5/18</a:t>
             </a:fld>
             <a:endParaRPr lang="zh-CN" altLang="en-US">
               <a:solidFill>
@@ -1611,7 +1611,7 @@
                   </a:prstClr>
                 </a:solidFill>
               </a:rPr>
-              <a:t>2023/5/17</a:t>
+              <a:t>2023/5/18</a:t>
             </a:fld>
             <a:endParaRPr lang="zh-CN" altLang="en-US">
               <a:solidFill>
@@ -1927,7 +1927,7 @@
                   </a:prstClr>
                 </a:solidFill>
               </a:rPr>
-              <a:t>2023/5/17</a:t>
+              <a:t>2023/5/18</a:t>
             </a:fld>
             <a:endParaRPr lang="zh-CN" altLang="en-US">
               <a:solidFill>
@@ -2377,7 +2377,7 @@
                   </a:prstClr>
                 </a:solidFill>
               </a:rPr>
-              <a:t>2023/5/17</a:t>
+              <a:t>2023/5/18</a:t>
             </a:fld>
             <a:endParaRPr lang="zh-CN" altLang="en-US">
               <a:solidFill>
@@ -2525,7 +2525,7 @@
                   </a:prstClr>
                 </a:solidFill>
               </a:rPr>
-              <a:t>2023/5/17</a:t>
+              <a:t>2023/5/18</a:t>
             </a:fld>
             <a:endParaRPr lang="zh-CN" altLang="en-US">
               <a:solidFill>
@@ -2651,7 +2651,7 @@
                   </a:prstClr>
                 </a:solidFill>
               </a:rPr>
-              <a:t>2023/5/17</a:t>
+              <a:t>2023/5/18</a:t>
             </a:fld>
             <a:endParaRPr lang="zh-CN" altLang="en-US">
               <a:solidFill>
@@ -2957,7 +2957,7 @@
                   </a:prstClr>
                 </a:solidFill>
               </a:rPr>
-              <a:t>2023/5/17</a:t>
+              <a:t>2023/5/18</a:t>
             </a:fld>
             <a:endParaRPr lang="zh-CN" altLang="en-US">
               <a:solidFill>
@@ -3240,7 +3240,7 @@
                   </a:prstClr>
                 </a:solidFill>
               </a:rPr>
-              <a:t>2023/5/17</a:t>
+              <a:t>2023/5/18</a:t>
             </a:fld>
             <a:endParaRPr lang="zh-CN" altLang="en-US">
               <a:solidFill>
@@ -3482,7 +3482,7 @@
                   </a:prstClr>
                 </a:solidFill>
               </a:rPr>
-              <a:t>2023/5/17</a:t>
+              <a:t>2023/5/18</a:t>
             </a:fld>
             <a:endParaRPr lang="zh-CN" altLang="en-US">
               <a:solidFill>
@@ -3960,8 +3960,8 @@
         </p:nvSpPr>
         <p:spPr>
           <a:xfrm>
-            <a:off x="1242135" y="2782084"/>
-            <a:ext cx="6659727" cy="400110"/>
+            <a:off x="621064" y="2782084"/>
+            <a:ext cx="7901865" cy="400110"/>
           </a:xfrm>
           <a:prstGeom prst="rect">
             <a:avLst/>
@@ -3987,7 +3987,7 @@
                 <a:ea typeface="微软雅黑" panose="020B0503020204020204" pitchFamily="34" charset="-122"/>
                 <a:cs typeface="Times New Roman" panose="02020603050405020304" pitchFamily="18" charset="0"/>
               </a:rPr>
-              <a:t>Tags: Perceptive Locomotion Planning</a:t>
+              <a:t>Tags: Perceptive Locomotion Planning, Robot Learning, Imitation Learning </a:t>
             </a:r>
             <a:endParaRPr lang="zh-CN" altLang="en-US" sz="2000" dirty="0">
               <a:solidFill>
@@ -4165,8 +4165,8 @@
           </a:p>
         </p:txBody>
       </p:sp>
-      <mc:AlternateContent xmlns:mc="http://schemas.openxmlformats.org/markup-compatibility/2006">
-        <mc:Choice xmlns:a14="http://schemas.microsoft.com/office/drawing/2010/main" Requires="a14">
+      <mc:AlternateContent xmlns:mc="http://schemas.openxmlformats.org/markup-compatibility/2006" xmlns:a14="http://schemas.microsoft.com/office/drawing/2010/main">
+        <mc:Choice Requires="a14">
           <p:sp>
             <p:nvSpPr>
               <p:cNvPr id="5" name="文本框 4">
@@ -5487,7 +5487,7 @@
             </p:txBody>
           </p:sp>
         </mc:Choice>
-        <mc:Fallback>
+        <mc:Fallback xmlns="">
           <p:sp>
             <p:nvSpPr>
               <p:cNvPr id="5" name="文本框 4">

--- a/.github/niceproject/source/learning/robotics/prelude.pptx
+++ b/.github/niceproject/source/learning/robotics/prelude.pptx
@@ -4165,8 +4165,8 @@
           </a:p>
         </p:txBody>
       </p:sp>
-      <mc:AlternateContent xmlns:mc="http://schemas.openxmlformats.org/markup-compatibility/2006" xmlns:a14="http://schemas.microsoft.com/office/drawing/2010/main">
-        <mc:Choice Requires="a14">
+      <mc:AlternateContent xmlns:mc="http://schemas.openxmlformats.org/markup-compatibility/2006">
+        <mc:Choice xmlns:a14="http://schemas.microsoft.com/office/drawing/2010/main" Requires="a14">
           <p:sp>
             <p:nvSpPr>
               <p:cNvPr id="5" name="文本框 4">
@@ -4499,7 +4499,15 @@
                     <a:ea typeface="Cambria Math" panose="02040503050406030204" pitchFamily="18" charset="0"/>
                     <a:cs typeface="Times New Roman" panose="02020603050405020304" pitchFamily="18" charset="0"/>
                   </a:rPr>
-                  <a:t> to minimize </a:t>
+                  <a:t> </a:t>
+                </a:r>
+                <a:r>
+                  <a:rPr kumimoji="1" lang="en-US" altLang="zh-CN">
+                    <a:latin typeface="Times New Roman" panose="02020603050405020304" pitchFamily="18" charset="0"/>
+                    <a:ea typeface="Cambria Math" panose="02040503050406030204" pitchFamily="18" charset="0"/>
+                    <a:cs typeface="Times New Roman" panose="02020603050405020304" pitchFamily="18" charset="0"/>
+                  </a:rPr>
+                  <a:t>to maximize </a:t>
                 </a:r>
                 <a14:m>
                   <m:oMath xmlns:m="http://schemas.openxmlformats.org/officeDocument/2006/math">
@@ -5487,7 +5495,7 @@
             </p:txBody>
           </p:sp>
         </mc:Choice>
-        <mc:Fallback xmlns="">
+        <mc:Fallback>
           <p:sp>
             <p:nvSpPr>
               <p:cNvPr id="5" name="文本框 4">
